--- a/Présentation_IML_Projet_Final_Groupe3.pptx
+++ b/Présentation_IML_Projet_Final_Groupe3.pptx
@@ -155,6 +155,59 @@
     <p1510:client id="{E24618F7-EF8B-41B2-BE2B-D7405BB68286}" v="67" dt="2024-02-06T01:16:55.451"/>
   </p1510:revLst>
 </p1510:revInfo>
+</file>
+
+<file path=ppt/changesInfos/changesInfo1.xml><?xml version="1.0" encoding="utf-8"?>
+<pc:chgInfo xmlns:a="http://schemas.openxmlformats.org/drawingml/2006/main" xmlns:r="http://schemas.openxmlformats.org/officeDocument/2006/relationships" xmlns:ac="http://schemas.microsoft.com/office/drawing/2013/main/command" xmlns:pc="http://schemas.microsoft.com/office/powerpoint/2013/main/command">
+  <pc:docChgLst>
+    <pc:chgData name="Jean Pierre NDIAYE" userId="5f4dd0ed3b39c7c7" providerId="LiveId" clId="{6ECA56CB-4419-4609-90D2-9F29EA731E9C}"/>
+    <pc:docChg chg="custSel modSld">
+      <pc:chgData name="Jean Pierre NDIAYE" userId="5f4dd0ed3b39c7c7" providerId="LiveId" clId="{6ECA56CB-4419-4609-90D2-9F29EA731E9C}" dt="2024-02-06T01:32:35.451" v="29" actId="1076"/>
+      <pc:docMkLst>
+        <pc:docMk/>
+      </pc:docMkLst>
+      <pc:sldChg chg="addSp delSp modSp mod">
+        <pc:chgData name="Jean Pierre NDIAYE" userId="5f4dd0ed3b39c7c7" providerId="LiveId" clId="{6ECA56CB-4419-4609-90D2-9F29EA731E9C}" dt="2024-02-06T01:32:35.451" v="29" actId="1076"/>
+        <pc:sldMkLst>
+          <pc:docMk/>
+          <pc:sldMk cId="3715107420" sldId="284"/>
+        </pc:sldMkLst>
+        <pc:spChg chg="del">
+          <ac:chgData name="Jean Pierre NDIAYE" userId="5f4dd0ed3b39c7c7" providerId="LiveId" clId="{6ECA56CB-4419-4609-90D2-9F29EA731E9C}" dt="2024-02-06T01:31:19.993" v="1" actId="478"/>
+          <ac:spMkLst>
+            <pc:docMk/>
+            <pc:sldMk cId="3715107420" sldId="284"/>
+            <ac:spMk id="8" creationId="{4A27C1AC-B8F1-5A25-C303-C1FC21ADFC88}"/>
+          </ac:spMkLst>
+        </pc:spChg>
+        <pc:spChg chg="del">
+          <ac:chgData name="Jean Pierre NDIAYE" userId="5f4dd0ed3b39c7c7" providerId="LiveId" clId="{6ECA56CB-4419-4609-90D2-9F29EA731E9C}" dt="2024-02-06T01:31:16.484" v="0" actId="478"/>
+          <ac:spMkLst>
+            <pc:docMk/>
+            <pc:sldMk cId="3715107420" sldId="284"/>
+            <ac:spMk id="9" creationId="{98B3AE24-14AA-863E-EEDB-35859B666DEB}"/>
+          </ac:spMkLst>
+        </pc:spChg>
+        <pc:spChg chg="add mod">
+          <ac:chgData name="Jean Pierre NDIAYE" userId="5f4dd0ed3b39c7c7" providerId="LiveId" clId="{6ECA56CB-4419-4609-90D2-9F29EA731E9C}" dt="2024-02-06T01:32:35.451" v="29" actId="1076"/>
+          <ac:spMkLst>
+            <pc:docMk/>
+            <pc:sldMk cId="3715107420" sldId="284"/>
+            <ac:spMk id="10" creationId="{FBAA7DAD-D3A3-2A49-3AE2-A93D04DC8B3D}"/>
+          </ac:spMkLst>
+        </pc:spChg>
+        <pc:spChg chg="mod">
+          <ac:chgData name="Jean Pierre NDIAYE" userId="5f4dd0ed3b39c7c7" providerId="LiveId" clId="{6ECA56CB-4419-4609-90D2-9F29EA731E9C}" dt="2024-02-06T01:31:23.818" v="2" actId="1076"/>
+          <ac:spMkLst>
+            <pc:docMk/>
+            <pc:sldMk cId="3715107420" sldId="284"/>
+            <ac:spMk id="13" creationId="{3DA7CE81-13EF-DF4A-CF42-617782E2FF89}"/>
+          </ac:spMkLst>
+        </pc:spChg>
+      </pc:sldChg>
+    </pc:docChg>
+  </pc:docChgLst>
+</pc:chgInfo>
 </file>
 
 <file path=ppt/notesMasters/notesMaster1.xml><?xml version="1.0" encoding="utf-8"?>
@@ -15958,88 +16011,6 @@
       </p:sp>
       <p:sp>
         <p:nvSpPr>
-          <p:cNvPr id="8" name="ZoneTexte 7">
-            <a:extLst>
-              <a:ext uri="{FF2B5EF4-FFF2-40B4-BE49-F238E27FC236}">
-                <a16:creationId xmlns:a16="http://schemas.microsoft.com/office/drawing/2014/main" id="{4A27C1AC-B8F1-5A25-C303-C1FC21ADFC88}"/>
-              </a:ext>
-            </a:extLst>
-          </p:cNvPr>
-          <p:cNvSpPr txBox="1"/>
-          <p:nvPr/>
-        </p:nvSpPr>
-        <p:spPr>
-          <a:xfrm>
-            <a:off x="808790" y="2309944"/>
-            <a:ext cx="3768257" cy="830997"/>
-          </a:xfrm>
-          <a:prstGeom prst="rect">
-            <a:avLst/>
-          </a:prstGeom>
-          <a:noFill/>
-        </p:spPr>
-        <p:txBody>
-          <a:bodyPr wrap="square" rtlCol="0">
-            <a:spAutoFit/>
-          </a:bodyPr>
-          <a:lstStyle/>
-          <a:p>
-            <a:r>
-              <a:rPr lang="fr-FR" sz="2400" b="1" dirty="0"/>
-              <a:t>36 variables explicatives sont </a:t>
-            </a:r>
-            <a:r>
-              <a:rPr lang="fr-FR" sz="2400" b="1" dirty="0" err="1"/>
-              <a:t>quantitaves</a:t>
-            </a:r>
-            <a:r>
-              <a:rPr lang="fr-FR" sz="2400" b="1" dirty="0"/>
-              <a:t> </a:t>
-            </a:r>
-          </a:p>
-        </p:txBody>
-      </p:sp>
-      <p:sp>
-        <p:nvSpPr>
-          <p:cNvPr id="9" name="ZoneTexte 8">
-            <a:extLst>
-              <a:ext uri="{FF2B5EF4-FFF2-40B4-BE49-F238E27FC236}">
-                <a16:creationId xmlns:a16="http://schemas.microsoft.com/office/drawing/2014/main" id="{98B3AE24-14AA-863E-EEDB-35859B666DEB}"/>
-              </a:ext>
-            </a:extLst>
-          </p:cNvPr>
-          <p:cNvSpPr txBox="1"/>
-          <p:nvPr/>
-        </p:nvSpPr>
-        <p:spPr>
-          <a:xfrm>
-            <a:off x="7379454" y="5056309"/>
-            <a:ext cx="4134755" cy="1569660"/>
-          </a:xfrm>
-          <a:prstGeom prst="rect">
-            <a:avLst/>
-          </a:prstGeom>
-          <a:noFill/>
-        </p:spPr>
-        <p:txBody>
-          <a:bodyPr wrap="square" rtlCol="0">
-            <a:spAutoFit/>
-          </a:bodyPr>
-          <a:lstStyle/>
-          <a:p>
-            <a:r>
-              <a:rPr lang="fr-FR" sz="2400" b="1" dirty="0"/>
-              <a:t>43 variables explicatives </a:t>
-            </a:r>
-            <a:r>
-              <a:rPr lang="fr-FR" sz="2400" dirty="0"/>
-              <a:t>sont qualitatives(catégorielles comprises) </a:t>
-            </a:r>
-          </a:p>
-        </p:txBody>
-      </p:sp>
-      <p:sp>
-        <p:nvSpPr>
           <p:cNvPr id="13" name="ZoneTexte 12">
             <a:extLst>
               <a:ext uri="{FF2B5EF4-FFF2-40B4-BE49-F238E27FC236}">
@@ -16052,7 +16023,7 @@
         </p:nvSpPr>
         <p:spPr>
           <a:xfrm>
-            <a:off x="7327986" y="2725442"/>
+            <a:off x="7921647" y="2536448"/>
             <a:ext cx="3542043" cy="892552"/>
           </a:xfrm>
           <a:prstGeom prst="rect">
@@ -16148,6 +16119,45 @@
               <a:t>Submission_sample</a:t>
             </a:r>
             <a:endParaRPr lang="fr-FR" dirty="0"/>
+          </a:p>
+        </p:txBody>
+      </p:sp>
+      <p:sp>
+        <p:nvSpPr>
+          <p:cNvPr id="10" name="ZoneTexte 9">
+            <a:extLst>
+              <a:ext uri="{FF2B5EF4-FFF2-40B4-BE49-F238E27FC236}">
+                <a16:creationId xmlns:a16="http://schemas.microsoft.com/office/drawing/2014/main" id="{FBAA7DAD-D3A3-2A49-3AE2-A93D04DC8B3D}"/>
+              </a:ext>
+            </a:extLst>
+          </p:cNvPr>
+          <p:cNvSpPr txBox="1"/>
+          <p:nvPr/>
+        </p:nvSpPr>
+        <p:spPr>
+          <a:xfrm>
+            <a:off x="1606779" y="3906703"/>
+            <a:ext cx="3350578" cy="1015663"/>
+          </a:xfrm>
+          <a:prstGeom prst="rect">
+            <a:avLst/>
+          </a:prstGeom>
+          <a:noFill/>
+        </p:spPr>
+        <p:txBody>
+          <a:bodyPr wrap="square">
+            <a:spAutoFit/>
+          </a:bodyPr>
+          <a:lstStyle/>
+          <a:p>
+            <a:r>
+              <a:rPr lang="fr-FR" sz="2000" b="1" dirty="0">
+                <a:latin typeface="Times New Roman" panose="02020603050405020304" pitchFamily="18" charset="0"/>
+                <a:cs typeface="Times New Roman" panose="02020603050405020304" pitchFamily="18" charset="0"/>
+              </a:rPr>
+              <a:t>Décrivant tous les aspects des maisons résidentielles à Ames (Iowa, US), </a:t>
+            </a:r>
+            <a:endParaRPr lang="fr-FR" sz="2000" b="1" dirty="0"/>
           </a:p>
         </p:txBody>
       </p:sp>

--- a/Présentation_IML_Projet_Final_Groupe3.pptx
+++ b/Présentation_IML_Projet_Final_Groupe3.pptx
@@ -155,59 +155,6 @@
     <p1510:client id="{E24618F7-EF8B-41B2-BE2B-D7405BB68286}" v="67" dt="2024-02-06T01:16:55.451"/>
   </p1510:revLst>
 </p1510:revInfo>
-</file>
-
-<file path=ppt/changesInfos/changesInfo1.xml><?xml version="1.0" encoding="utf-8"?>
-<pc:chgInfo xmlns:a="http://schemas.openxmlformats.org/drawingml/2006/main" xmlns:r="http://schemas.openxmlformats.org/officeDocument/2006/relationships" xmlns:ac="http://schemas.microsoft.com/office/drawing/2013/main/command" xmlns:pc="http://schemas.microsoft.com/office/powerpoint/2013/main/command">
-  <pc:docChgLst>
-    <pc:chgData name="Jean Pierre NDIAYE" userId="5f4dd0ed3b39c7c7" providerId="LiveId" clId="{6ECA56CB-4419-4609-90D2-9F29EA731E9C}"/>
-    <pc:docChg chg="custSel modSld">
-      <pc:chgData name="Jean Pierre NDIAYE" userId="5f4dd0ed3b39c7c7" providerId="LiveId" clId="{6ECA56CB-4419-4609-90D2-9F29EA731E9C}" dt="2024-02-06T01:32:35.451" v="29" actId="1076"/>
-      <pc:docMkLst>
-        <pc:docMk/>
-      </pc:docMkLst>
-      <pc:sldChg chg="addSp delSp modSp mod">
-        <pc:chgData name="Jean Pierre NDIAYE" userId="5f4dd0ed3b39c7c7" providerId="LiveId" clId="{6ECA56CB-4419-4609-90D2-9F29EA731E9C}" dt="2024-02-06T01:32:35.451" v="29" actId="1076"/>
-        <pc:sldMkLst>
-          <pc:docMk/>
-          <pc:sldMk cId="3715107420" sldId="284"/>
-        </pc:sldMkLst>
-        <pc:spChg chg="del">
-          <ac:chgData name="Jean Pierre NDIAYE" userId="5f4dd0ed3b39c7c7" providerId="LiveId" clId="{6ECA56CB-4419-4609-90D2-9F29EA731E9C}" dt="2024-02-06T01:31:19.993" v="1" actId="478"/>
-          <ac:spMkLst>
-            <pc:docMk/>
-            <pc:sldMk cId="3715107420" sldId="284"/>
-            <ac:spMk id="8" creationId="{4A27C1AC-B8F1-5A25-C303-C1FC21ADFC88}"/>
-          </ac:spMkLst>
-        </pc:spChg>
-        <pc:spChg chg="del">
-          <ac:chgData name="Jean Pierre NDIAYE" userId="5f4dd0ed3b39c7c7" providerId="LiveId" clId="{6ECA56CB-4419-4609-90D2-9F29EA731E9C}" dt="2024-02-06T01:31:16.484" v="0" actId="478"/>
-          <ac:spMkLst>
-            <pc:docMk/>
-            <pc:sldMk cId="3715107420" sldId="284"/>
-            <ac:spMk id="9" creationId="{98B3AE24-14AA-863E-EEDB-35859B666DEB}"/>
-          </ac:spMkLst>
-        </pc:spChg>
-        <pc:spChg chg="add mod">
-          <ac:chgData name="Jean Pierre NDIAYE" userId="5f4dd0ed3b39c7c7" providerId="LiveId" clId="{6ECA56CB-4419-4609-90D2-9F29EA731E9C}" dt="2024-02-06T01:32:35.451" v="29" actId="1076"/>
-          <ac:spMkLst>
-            <pc:docMk/>
-            <pc:sldMk cId="3715107420" sldId="284"/>
-            <ac:spMk id="10" creationId="{FBAA7DAD-D3A3-2A49-3AE2-A93D04DC8B3D}"/>
-          </ac:spMkLst>
-        </pc:spChg>
-        <pc:spChg chg="mod">
-          <ac:chgData name="Jean Pierre NDIAYE" userId="5f4dd0ed3b39c7c7" providerId="LiveId" clId="{6ECA56CB-4419-4609-90D2-9F29EA731E9C}" dt="2024-02-06T01:31:23.818" v="2" actId="1076"/>
-          <ac:spMkLst>
-            <pc:docMk/>
-            <pc:sldMk cId="3715107420" sldId="284"/>
-            <ac:spMk id="13" creationId="{3DA7CE81-13EF-DF4A-CF42-617782E2FF89}"/>
-          </ac:spMkLst>
-        </pc:spChg>
-      </pc:sldChg>
-    </pc:docChg>
-  </pc:docChgLst>
-</pc:chgInfo>
 </file>
 
 <file path=ppt/notesMasters/notesMaster1.xml><?xml version="1.0" encoding="utf-8"?>
@@ -15546,7 +15493,7 @@
         <p:spPr>
           <a:xfrm>
             <a:off x="0" y="1545869"/>
-            <a:ext cx="12069774" cy="5185522"/>
+            <a:ext cx="12069774" cy="4539191"/>
           </a:xfrm>
           <a:prstGeom prst="rect">
             <a:avLst/>
@@ -15594,7 +15541,14 @@
                 <a:latin typeface="Times New Roman" panose="02020603050405020304" pitchFamily="18" charset="0"/>
                 <a:cs typeface="Times New Roman" panose="02020603050405020304" pitchFamily="18" charset="0"/>
               </a:rPr>
-              <a:t>Mais il se trouve que les négociations de prix sont influencées par bien d'autres éléments que le nombre de chambres à coucher ou une clôture à piquets blancs. Laplace Immo. </a:t>
+              <a:t>Mais il se trouve que les négociations de prix sont influencées par bien d'autres éléments que le nombre de chambres à coucher ou une clôture à piquets </a:t>
+            </a:r>
+            <a:r>
+              <a:rPr lang="fr-FR" sz="2800">
+                <a:latin typeface="Times New Roman" panose="02020603050405020304" pitchFamily="18" charset="0"/>
+                <a:cs typeface="Times New Roman" panose="02020603050405020304" pitchFamily="18" charset="0"/>
+              </a:rPr>
+              <a:t>blancs.</a:t>
             </a:r>
           </a:p>
           <a:p>
@@ -15606,7 +15560,7 @@
               <a:buChar char="q"/>
             </a:pPr>
             <a:r>
-              <a:rPr lang="fr-FR" sz="2800" dirty="0">
+              <a:rPr lang="fr-FR" sz="2800">
                 <a:latin typeface="Times New Roman" panose="02020603050405020304" pitchFamily="18" charset="0"/>
                 <a:cs typeface="Times New Roman" panose="02020603050405020304" pitchFamily="18" charset="0"/>
               </a:rPr>
